--- a/webapp.pptx
+++ b/webapp.pptx
@@ -112,15 +112,6 @@
 </p:presentation>
 </file>
 
-<file path=ppt/revisionInfo.xml><?xml version="1.0" encoding="utf-8"?>
-<p1510:revInfo xmlns:a="http://schemas.openxmlformats.org/drawingml/2006/main" xmlns:r="http://schemas.openxmlformats.org/officeDocument/2006/relationships" xmlns:p1510="http://schemas.microsoft.com/office/powerpoint/2015/10/main">
-  <p1510:revLst>
-    <p1510:client id="{1813E760-5966-46FF-A80D-AFC23B64F5BE}" v="10" dt="2020-03-11T23:02:17.064"/>
-    <p1510:client id="{A6AAAB7C-FA0A-4AEB-88F9-0E90446FB4D3}" v="8" dt="2020-03-11T22:12:48.983"/>
-  </p1510:revLst>
-</p1510:revInfo>
-</file>
-
 <file path=ppt/changesInfos/changesInfo1.xml><?xml version="1.0" encoding="utf-8"?>
 <pc:chgInfo xmlns:a="http://schemas.openxmlformats.org/drawingml/2006/main" xmlns:r="http://schemas.openxmlformats.org/officeDocument/2006/relationships" xmlns:ac="http://schemas.microsoft.com/office/drawing/2013/main/command" xmlns:pc="http://schemas.microsoft.com/office/powerpoint/2013/main/command">
   <pc:docChgLst>
@@ -218,6 +209,38 @@
       </pc:sldChg>
     </pc:docChg>
   </pc:docChgLst>
+  <pc:docChgLst>
+    <pc:chgData name="木本 裕紀" userId="605a8810adc954e2" providerId="LiveId" clId="{DF1E8210-60C4-4AAF-BF12-D67F5D76BB1F}"/>
+    <pc:docChg chg="custSel modSld">
+      <pc:chgData name="木本 裕紀" userId="605a8810adc954e2" providerId="LiveId" clId="{DF1E8210-60C4-4AAF-BF12-D67F5D76BB1F}" dt="2021-09-30T00:06:12.656" v="5" actId="478"/>
+      <pc:docMkLst>
+        <pc:docMk/>
+      </pc:docMkLst>
+      <pc:sldChg chg="delSp modSp mod">
+        <pc:chgData name="木本 裕紀" userId="605a8810adc954e2" providerId="LiveId" clId="{DF1E8210-60C4-4AAF-BF12-D67F5D76BB1F}" dt="2021-09-30T00:06:12.656" v="5" actId="478"/>
+        <pc:sldMkLst>
+          <pc:docMk/>
+          <pc:sldMk cId="2832333312" sldId="257"/>
+        </pc:sldMkLst>
+        <pc:spChg chg="del">
+          <ac:chgData name="木本 裕紀" userId="605a8810adc954e2" providerId="LiveId" clId="{DF1E8210-60C4-4AAF-BF12-D67F5D76BB1F}" dt="2021-09-30T00:06:12.656" v="5" actId="478"/>
+          <ac:spMkLst>
+            <pc:docMk/>
+            <pc:sldMk cId="2832333312" sldId="257"/>
+            <ac:spMk id="4" creationId="{F760CF68-C5EE-47C7-8C22-1A64F578E9A1}"/>
+          </ac:spMkLst>
+        </pc:spChg>
+        <pc:spChg chg="mod">
+          <ac:chgData name="木本 裕紀" userId="605a8810adc954e2" providerId="LiveId" clId="{DF1E8210-60C4-4AAF-BF12-D67F5D76BB1F}" dt="2021-09-30T00:06:07.107" v="4" actId="1076"/>
+          <ac:spMkLst>
+            <pc:docMk/>
+            <pc:sldMk cId="2832333312" sldId="257"/>
+            <ac:spMk id="7" creationId="{153822A3-6308-4D7D-9562-2A31B21FA08C}"/>
+          </ac:spMkLst>
+        </pc:spChg>
+      </pc:sldChg>
+    </pc:docChg>
+  </pc:docChgLst>
 </pc:chgInfo>
 </file>
 
@@ -368,7 +391,7 @@
           <a:p>
             <a:fld id="{10496A3D-CB8B-4B53-8247-366F438527BD}" type="datetimeFigureOut">
               <a:rPr kumimoji="1" lang="ja-JP" altLang="en-US" smtClean="0"/>
-              <a:t>2020/3/12</a:t>
+              <a:t>2021/9/30</a:t>
             </a:fld>
             <a:endParaRPr kumimoji="1" lang="ja-JP" altLang="en-US"/>
           </a:p>
@@ -598,7 +621,7 @@
           <a:p>
             <a:fld id="{10496A3D-CB8B-4B53-8247-366F438527BD}" type="datetimeFigureOut">
               <a:rPr kumimoji="1" lang="ja-JP" altLang="en-US" smtClean="0"/>
-              <a:t>2020/3/12</a:t>
+              <a:t>2021/9/30</a:t>
             </a:fld>
             <a:endParaRPr kumimoji="1" lang="ja-JP" altLang="en-US"/>
           </a:p>
@@ -838,7 +861,7 @@
           <a:p>
             <a:fld id="{10496A3D-CB8B-4B53-8247-366F438527BD}" type="datetimeFigureOut">
               <a:rPr kumimoji="1" lang="ja-JP" altLang="en-US" smtClean="0"/>
-              <a:t>2020/3/12</a:t>
+              <a:t>2021/9/30</a:t>
             </a:fld>
             <a:endParaRPr kumimoji="1" lang="ja-JP" altLang="en-US"/>
           </a:p>
@@ -1068,7 +1091,7 @@
           <a:p>
             <a:fld id="{10496A3D-CB8B-4B53-8247-366F438527BD}" type="datetimeFigureOut">
               <a:rPr kumimoji="1" lang="ja-JP" altLang="en-US" smtClean="0"/>
-              <a:t>2020/3/12</a:t>
+              <a:t>2021/9/30</a:t>
             </a:fld>
             <a:endParaRPr kumimoji="1" lang="ja-JP" altLang="en-US"/>
           </a:p>
@@ -1343,7 +1366,7 @@
           <a:p>
             <a:fld id="{10496A3D-CB8B-4B53-8247-366F438527BD}" type="datetimeFigureOut">
               <a:rPr kumimoji="1" lang="ja-JP" altLang="en-US" smtClean="0"/>
-              <a:t>2020/3/12</a:t>
+              <a:t>2021/9/30</a:t>
             </a:fld>
             <a:endParaRPr kumimoji="1" lang="ja-JP" altLang="en-US"/>
           </a:p>
@@ -1672,7 +1695,7 @@
           <a:p>
             <a:fld id="{10496A3D-CB8B-4B53-8247-366F438527BD}" type="datetimeFigureOut">
               <a:rPr kumimoji="1" lang="ja-JP" altLang="en-US" smtClean="0"/>
-              <a:t>2020/3/12</a:t>
+              <a:t>2021/9/30</a:t>
             </a:fld>
             <a:endParaRPr kumimoji="1" lang="ja-JP" altLang="en-US"/>
           </a:p>
@@ -2148,7 +2171,7 @@
           <a:p>
             <a:fld id="{10496A3D-CB8B-4B53-8247-366F438527BD}" type="datetimeFigureOut">
               <a:rPr kumimoji="1" lang="ja-JP" altLang="en-US" smtClean="0"/>
-              <a:t>2020/3/12</a:t>
+              <a:t>2021/9/30</a:t>
             </a:fld>
             <a:endParaRPr kumimoji="1" lang="ja-JP" altLang="en-US"/>
           </a:p>
@@ -2289,7 +2312,7 @@
           <a:p>
             <a:fld id="{10496A3D-CB8B-4B53-8247-366F438527BD}" type="datetimeFigureOut">
               <a:rPr kumimoji="1" lang="ja-JP" altLang="en-US" smtClean="0"/>
-              <a:t>2020/3/12</a:t>
+              <a:t>2021/9/30</a:t>
             </a:fld>
             <a:endParaRPr kumimoji="1" lang="ja-JP" altLang="en-US"/>
           </a:p>
@@ -2402,7 +2425,7 @@
           <a:p>
             <a:fld id="{10496A3D-CB8B-4B53-8247-366F438527BD}" type="datetimeFigureOut">
               <a:rPr kumimoji="1" lang="ja-JP" altLang="en-US" smtClean="0"/>
-              <a:t>2020/3/12</a:t>
+              <a:t>2021/9/30</a:t>
             </a:fld>
             <a:endParaRPr kumimoji="1" lang="ja-JP" altLang="en-US"/>
           </a:p>
@@ -2745,7 +2768,7 @@
           <a:p>
             <a:fld id="{10496A3D-CB8B-4B53-8247-366F438527BD}" type="datetimeFigureOut">
               <a:rPr kumimoji="1" lang="ja-JP" altLang="en-US" smtClean="0"/>
-              <a:t>2020/3/12</a:t>
+              <a:t>2021/9/30</a:t>
             </a:fld>
             <a:endParaRPr kumimoji="1" lang="ja-JP" altLang="en-US"/>
           </a:p>
@@ -3033,7 +3056,7 @@
           <a:p>
             <a:fld id="{10496A3D-CB8B-4B53-8247-366F438527BD}" type="datetimeFigureOut">
               <a:rPr kumimoji="1" lang="ja-JP" altLang="en-US" smtClean="0"/>
-              <a:t>2020/3/12</a:t>
+              <a:t>2021/9/30</a:t>
             </a:fld>
             <a:endParaRPr kumimoji="1" lang="ja-JP" altLang="en-US"/>
           </a:p>
@@ -3306,7 +3329,7 @@
           <a:p>
             <a:fld id="{10496A3D-CB8B-4B53-8247-366F438527BD}" type="datetimeFigureOut">
               <a:rPr kumimoji="1" lang="ja-JP" altLang="en-US" smtClean="0"/>
-              <a:t>2020/3/12</a:t>
+              <a:t>2021/9/30</a:t>
             </a:fld>
             <a:endParaRPr kumimoji="1" lang="ja-JP" altLang="en-US"/>
           </a:p>
@@ -3725,45 +3748,6 @@
       </p:grpSpPr>
       <p:sp>
         <p:nvSpPr>
-          <p:cNvPr id="4" name="テキスト ボックス 3">
-            <a:extLst>
-              <a:ext uri="{FF2B5EF4-FFF2-40B4-BE49-F238E27FC236}">
-                <a16:creationId xmlns:a16="http://schemas.microsoft.com/office/drawing/2014/main" id="{F760CF68-C5EE-47C7-8C22-1A64F578E9A1}"/>
-              </a:ext>
-            </a:extLst>
-          </p:cNvPr>
-          <p:cNvSpPr txBox="1"/>
-          <p:nvPr/>
-        </p:nvSpPr>
-        <p:spPr>
-          <a:xfrm>
-            <a:off x="441433" y="5657671"/>
-            <a:ext cx="11540359" cy="1200329"/>
-          </a:xfrm>
-          <a:prstGeom prst="rect">
-            <a:avLst/>
-          </a:prstGeom>
-          <a:noFill/>
-        </p:spPr>
-        <p:txBody>
-          <a:bodyPr wrap="square" rtlCol="0">
-            <a:spAutoFit/>
-          </a:bodyPr>
-          <a:lstStyle/>
-          <a:p>
-            <a:r>
-              <a:rPr kumimoji="1" lang="en-US" altLang="ja-JP" sz="7200" dirty="0"/>
-              <a:t>Web</a:t>
-            </a:r>
-            <a:r>
-              <a:rPr kumimoji="1" lang="ja-JP" altLang="en-US" sz="7200" dirty="0"/>
-              <a:t>システム開発入門ロゴ</a:t>
-            </a:r>
-          </a:p>
-        </p:txBody>
-      </p:sp>
-      <p:sp>
-        <p:nvSpPr>
           <p:cNvPr id="5" name="正方形/長方形 4">
             <a:extLst>
               <a:ext uri="{FF2B5EF4-FFF2-40B4-BE49-F238E27FC236}">
@@ -3872,7 +3856,7 @@
         </p:nvSpPr>
         <p:spPr>
           <a:xfrm>
-            <a:off x="6362937" y="1200329"/>
+            <a:off x="6096000" y="1200329"/>
             <a:ext cx="2435654" cy="3939540"/>
           </a:xfrm>
           <a:prstGeom prst="rect">
@@ -3892,7 +3876,7 @@
                   <a:schemeClr val="bg1"/>
                 </a:solidFill>
               </a:rPr>
-              <a:t>S</a:t>
+              <a:t>A</a:t>
             </a:r>
             <a:endParaRPr kumimoji="1" lang="ja-JP" altLang="en-US" sz="25000" dirty="0">
               <a:solidFill>
